--- a/DesktopBasic4Components/TranslationComponents.pptx
+++ b/DesktopBasic4Components/TranslationComponents.pptx
@@ -35,14 +35,14 @@
   <p:notesSz cx="6858000" cy="9144000"/>
   <p:embeddedFontLst>
     <p:embeddedFont>
-      <p:font typeface="Proxima Nova" panose="020B0604020202020204" charset="0"/>
+      <p:font typeface="Open Sans" panose="020B0604020202020204" charset="0"/>
       <p:regular r:id="rId25"/>
       <p:bold r:id="rId26"/>
       <p:italic r:id="rId27"/>
       <p:boldItalic r:id="rId28"/>
     </p:embeddedFont>
     <p:embeddedFont>
-      <p:font typeface="Open Sans" panose="020B0604020202020204" charset="0"/>
+      <p:font typeface="Proxima Nova" panose="020B0604020202020204" charset="0"/>
       <p:regular r:id="rId29"/>
       <p:bold r:id="rId30"/>
       <p:italic r:id="rId31"/>
@@ -7348,9 +7348,14 @@
               <a:buNone/>
             </a:pPr>
             <a:r>
-              <a:rPr lang="en" dirty="0"/>
-              <a:t>FME 2016 Training</a:t>
+              <a:rPr lang="en"/>
+              <a:t>FME </a:t>
             </a:r>
+            <a:r>
+              <a:rPr lang="en" smtClean="0"/>
+              <a:t>2017</a:t>
+            </a:r>
+            <a:endParaRPr lang="en" dirty="0"/>
           </a:p>
         </p:txBody>
       </p:sp>
